--- a/images/home/Recent news/ppt.pptx
+++ b/images/home/Recent news/ppt.pptx
@@ -243,7 +243,7 @@
           <a:p>
             <a:fld id="{0071251F-7F65-46D1-A23C-661CD5B49695}" type="datetimeFigureOut">
               <a:rPr lang="zh-CN" altLang="en-US" smtClean="0"/>
-              <a:t>2018/9/14</a:t>
+              <a:t>2019/2/15</a:t>
             </a:fld>
             <a:endParaRPr lang="zh-CN" altLang="en-US"/>
           </a:p>
@@ -408,7 +408,7 @@
           <a:p>
             <a:fld id="{0071251F-7F65-46D1-A23C-661CD5B49695}" type="datetimeFigureOut">
               <a:rPr lang="zh-CN" altLang="en-US" smtClean="0"/>
-              <a:t>2018/9/14</a:t>
+              <a:t>2019/2/15</a:t>
             </a:fld>
             <a:endParaRPr lang="zh-CN" altLang="en-US"/>
           </a:p>
@@ -583,7 +583,7 @@
           <a:p>
             <a:fld id="{0071251F-7F65-46D1-A23C-661CD5B49695}" type="datetimeFigureOut">
               <a:rPr lang="zh-CN" altLang="en-US" smtClean="0"/>
-              <a:t>2018/9/14</a:t>
+              <a:t>2019/2/15</a:t>
             </a:fld>
             <a:endParaRPr lang="zh-CN" altLang="en-US"/>
           </a:p>
@@ -748,7 +748,7 @@
           <a:p>
             <a:fld id="{0071251F-7F65-46D1-A23C-661CD5B49695}" type="datetimeFigureOut">
               <a:rPr lang="zh-CN" altLang="en-US" smtClean="0"/>
-              <a:t>2018/9/14</a:t>
+              <a:t>2019/2/15</a:t>
             </a:fld>
             <a:endParaRPr lang="zh-CN" altLang="en-US"/>
           </a:p>
@@ -989,7 +989,7 @@
           <a:p>
             <a:fld id="{0071251F-7F65-46D1-A23C-661CD5B49695}" type="datetimeFigureOut">
               <a:rPr lang="zh-CN" altLang="en-US" smtClean="0"/>
-              <a:t>2018/9/14</a:t>
+              <a:t>2019/2/15</a:t>
             </a:fld>
             <a:endParaRPr lang="zh-CN" altLang="en-US"/>
           </a:p>
@@ -1216,7 +1216,7 @@
           <a:p>
             <a:fld id="{0071251F-7F65-46D1-A23C-661CD5B49695}" type="datetimeFigureOut">
               <a:rPr lang="zh-CN" altLang="en-US" smtClean="0"/>
-              <a:t>2018/9/14</a:t>
+              <a:t>2019/2/15</a:t>
             </a:fld>
             <a:endParaRPr lang="zh-CN" altLang="en-US"/>
           </a:p>
@@ -1578,7 +1578,7 @@
           <a:p>
             <a:fld id="{0071251F-7F65-46D1-A23C-661CD5B49695}" type="datetimeFigureOut">
               <a:rPr lang="zh-CN" altLang="en-US" smtClean="0"/>
-              <a:t>2018/9/14</a:t>
+              <a:t>2019/2/15</a:t>
             </a:fld>
             <a:endParaRPr lang="zh-CN" altLang="en-US"/>
           </a:p>
@@ -1691,7 +1691,7 @@
           <a:p>
             <a:fld id="{0071251F-7F65-46D1-A23C-661CD5B49695}" type="datetimeFigureOut">
               <a:rPr lang="zh-CN" altLang="en-US" smtClean="0"/>
-              <a:t>2018/9/14</a:t>
+              <a:t>2019/2/15</a:t>
             </a:fld>
             <a:endParaRPr lang="zh-CN" altLang="en-US"/>
           </a:p>
@@ -1781,7 +1781,7 @@
           <a:p>
             <a:fld id="{0071251F-7F65-46D1-A23C-661CD5B49695}" type="datetimeFigureOut">
               <a:rPr lang="zh-CN" altLang="en-US" smtClean="0"/>
-              <a:t>2018/9/14</a:t>
+              <a:t>2019/2/15</a:t>
             </a:fld>
             <a:endParaRPr lang="zh-CN" altLang="en-US"/>
           </a:p>
@@ -2053,7 +2053,7 @@
           <a:p>
             <a:fld id="{0071251F-7F65-46D1-A23C-661CD5B49695}" type="datetimeFigureOut">
               <a:rPr lang="zh-CN" altLang="en-US" smtClean="0"/>
-              <a:t>2018/9/14</a:t>
+              <a:t>2019/2/15</a:t>
             </a:fld>
             <a:endParaRPr lang="zh-CN" altLang="en-US"/>
           </a:p>
@@ -2301,7 +2301,7 @@
           <a:p>
             <a:fld id="{0071251F-7F65-46D1-A23C-661CD5B49695}" type="datetimeFigureOut">
               <a:rPr lang="zh-CN" altLang="en-US" smtClean="0"/>
-              <a:t>2018/9/14</a:t>
+              <a:t>2019/2/15</a:t>
             </a:fld>
             <a:endParaRPr lang="zh-CN" altLang="en-US"/>
           </a:p>
@@ -2509,7 +2509,7 @@
           <a:p>
             <a:fld id="{0071251F-7F65-46D1-A23C-661CD5B49695}" type="datetimeFigureOut">
               <a:rPr lang="zh-CN" altLang="en-US" smtClean="0"/>
-              <a:t>2018/9/14</a:t>
+              <a:t>2019/2/15</a:t>
             </a:fld>
             <a:endParaRPr lang="zh-CN" altLang="en-US"/>
           </a:p>
@@ -3015,7 +3015,7 @@
                 <a:latin typeface="微软雅黑" panose="020B0503020204020204" pitchFamily="34" charset="-122"/>
                 <a:ea typeface="微软雅黑" panose="020B0503020204020204" pitchFamily="34" charset="-122"/>
               </a:rPr>
-              <a:t>Jun. </a:t>
+              <a:t>Feb</a:t>
             </a:r>
             <a:r>
               <a:rPr lang="en-US" altLang="zh-CN" sz="2800" dirty="0" smtClean="0">
@@ -3025,7 +3025,7 @@
                 <a:latin typeface="微软雅黑" panose="020B0503020204020204" pitchFamily="34" charset="-122"/>
                 <a:ea typeface="微软雅黑" panose="020B0503020204020204" pitchFamily="34" charset="-122"/>
               </a:rPr>
-              <a:t>2018</a:t>
+              <a:t>. 2019</a:t>
             </a:r>
             <a:endParaRPr lang="zh-CN" altLang="en-US" sz="2800" dirty="0">
               <a:solidFill>
@@ -3067,7 +3067,17 @@
                 <a:latin typeface="微软雅黑" panose="020B0503020204020204" pitchFamily="34" charset="-122"/>
                 <a:ea typeface="微软雅黑" panose="020B0503020204020204" pitchFamily="34" charset="-122"/>
               </a:rPr>
-              <a:t> 1</a:t>
+              <a:t> </a:t>
+            </a:r>
+            <a:r>
+              <a:rPr lang="en-US" altLang="zh-CN" sz="7200" dirty="0" smtClean="0">
+                <a:solidFill>
+                  <a:schemeClr val="bg1"/>
+                </a:solidFill>
+                <a:latin typeface="微软雅黑" panose="020B0503020204020204" pitchFamily="34" charset="-122"/>
+                <a:ea typeface="微软雅黑" panose="020B0503020204020204" pitchFamily="34" charset="-122"/>
+              </a:rPr>
+              <a:t>7</a:t>
             </a:r>
             <a:endParaRPr lang="en-US" altLang="zh-CN" sz="7200" dirty="0">
               <a:solidFill>
@@ -3126,7 +3136,7 @@
         </p:blipFill>
         <p:spPr>
           <a:xfrm>
-            <a:off x="3984625" y="3928745"/>
+            <a:off x="4020243" y="3894969"/>
             <a:ext cx="1437005" cy="1433195"/>
           </a:xfrm>
           <a:prstGeom prst="rect">

--- a/images/home/Recent news/ppt.pptx
+++ b/images/home/Recent news/ppt.pptx
@@ -154,10 +154,9 @@
           </a:lstStyle>
           <a:p>
             <a:r>
-              <a:rPr lang="zh-CN" altLang="en-US" smtClean="0"/>
+              <a:rPr lang="zh-CN" altLang="en-US"/>
               <a:t>单击此处编辑母版标题样式</a:t>
             </a:r>
-            <a:endParaRPr lang="zh-CN" altLang="en-US"/>
           </a:p>
         </p:txBody>
       </p:sp>
@@ -219,10 +218,9 @@
           </a:lstStyle>
           <a:p>
             <a:r>
-              <a:rPr lang="zh-CN" altLang="en-US" smtClean="0"/>
+              <a:rPr lang="zh-CN" altLang="en-US"/>
               <a:t>单击以编辑母版副标题样式</a:t>
             </a:r>
-            <a:endParaRPr lang="zh-CN" altLang="en-US"/>
           </a:p>
         </p:txBody>
       </p:sp>
@@ -243,7 +241,7 @@
           <a:p>
             <a:fld id="{0071251F-7F65-46D1-A23C-661CD5B49695}" type="datetimeFigureOut">
               <a:rPr lang="zh-CN" altLang="en-US" smtClean="0"/>
-              <a:t>2019/2/15</a:t>
+              <a:t>2019/7/4</a:t>
             </a:fld>
             <a:endParaRPr lang="zh-CN" altLang="en-US"/>
           </a:p>
@@ -332,10 +330,9 @@
           <a:lstStyle/>
           <a:p>
             <a:r>
-              <a:rPr lang="zh-CN" altLang="en-US" smtClean="0"/>
+              <a:rPr lang="zh-CN" altLang="en-US"/>
               <a:t>单击此处编辑母版标题样式</a:t>
             </a:r>
-            <a:endParaRPr lang="zh-CN" altLang="en-US"/>
           </a:p>
         </p:txBody>
       </p:sp>
@@ -356,38 +353,37 @@
           <a:p>
             <a:pPr lvl="0"/>
             <a:r>
-              <a:rPr lang="zh-CN" altLang="en-US" smtClean="0"/>
+              <a:rPr lang="zh-CN" altLang="en-US"/>
               <a:t>编辑母版文本样式</a:t>
             </a:r>
           </a:p>
           <a:p>
             <a:pPr lvl="1"/>
             <a:r>
-              <a:rPr lang="zh-CN" altLang="en-US" smtClean="0"/>
+              <a:rPr lang="zh-CN" altLang="en-US"/>
               <a:t>第二级</a:t>
             </a:r>
           </a:p>
           <a:p>
             <a:pPr lvl="2"/>
             <a:r>
-              <a:rPr lang="zh-CN" altLang="en-US" smtClean="0"/>
+              <a:rPr lang="zh-CN" altLang="en-US"/>
               <a:t>第三级</a:t>
             </a:r>
           </a:p>
           <a:p>
             <a:pPr lvl="3"/>
             <a:r>
-              <a:rPr lang="zh-CN" altLang="en-US" smtClean="0"/>
+              <a:rPr lang="zh-CN" altLang="en-US"/>
               <a:t>第四级</a:t>
             </a:r>
           </a:p>
           <a:p>
             <a:pPr lvl="4"/>
             <a:r>
-              <a:rPr lang="zh-CN" altLang="en-US" smtClean="0"/>
+              <a:rPr lang="zh-CN" altLang="en-US"/>
               <a:t>第五级</a:t>
             </a:r>
-            <a:endParaRPr lang="zh-CN" altLang="en-US"/>
           </a:p>
         </p:txBody>
       </p:sp>
@@ -408,7 +404,7 @@
           <a:p>
             <a:fld id="{0071251F-7F65-46D1-A23C-661CD5B49695}" type="datetimeFigureOut">
               <a:rPr lang="zh-CN" altLang="en-US" smtClean="0"/>
-              <a:t>2019/2/15</a:t>
+              <a:t>2019/7/4</a:t>
             </a:fld>
             <a:endParaRPr lang="zh-CN" altLang="en-US"/>
           </a:p>
@@ -502,10 +498,9 @@
           <a:lstStyle/>
           <a:p>
             <a:r>
-              <a:rPr lang="zh-CN" altLang="en-US" smtClean="0"/>
+              <a:rPr lang="zh-CN" altLang="en-US"/>
               <a:t>单击此处编辑母版标题样式</a:t>
             </a:r>
-            <a:endParaRPr lang="zh-CN" altLang="en-US"/>
           </a:p>
         </p:txBody>
       </p:sp>
@@ -531,38 +526,37 @@
           <a:p>
             <a:pPr lvl="0"/>
             <a:r>
-              <a:rPr lang="zh-CN" altLang="en-US" smtClean="0"/>
+              <a:rPr lang="zh-CN" altLang="en-US"/>
               <a:t>编辑母版文本样式</a:t>
             </a:r>
           </a:p>
           <a:p>
             <a:pPr lvl="1"/>
             <a:r>
-              <a:rPr lang="zh-CN" altLang="en-US" smtClean="0"/>
+              <a:rPr lang="zh-CN" altLang="en-US"/>
               <a:t>第二级</a:t>
             </a:r>
           </a:p>
           <a:p>
             <a:pPr lvl="2"/>
             <a:r>
-              <a:rPr lang="zh-CN" altLang="en-US" smtClean="0"/>
+              <a:rPr lang="zh-CN" altLang="en-US"/>
               <a:t>第三级</a:t>
             </a:r>
           </a:p>
           <a:p>
             <a:pPr lvl="3"/>
             <a:r>
-              <a:rPr lang="zh-CN" altLang="en-US" smtClean="0"/>
+              <a:rPr lang="zh-CN" altLang="en-US"/>
               <a:t>第四级</a:t>
             </a:r>
           </a:p>
           <a:p>
             <a:pPr lvl="4"/>
             <a:r>
-              <a:rPr lang="zh-CN" altLang="en-US" smtClean="0"/>
+              <a:rPr lang="zh-CN" altLang="en-US"/>
               <a:t>第五级</a:t>
             </a:r>
-            <a:endParaRPr lang="zh-CN" altLang="en-US"/>
           </a:p>
         </p:txBody>
       </p:sp>
@@ -583,7 +577,7 @@
           <a:p>
             <a:fld id="{0071251F-7F65-46D1-A23C-661CD5B49695}" type="datetimeFigureOut">
               <a:rPr lang="zh-CN" altLang="en-US" smtClean="0"/>
-              <a:t>2019/2/15</a:t>
+              <a:t>2019/7/4</a:t>
             </a:fld>
             <a:endParaRPr lang="zh-CN" altLang="en-US"/>
           </a:p>
@@ -672,10 +666,9 @@
           <a:lstStyle/>
           <a:p>
             <a:r>
-              <a:rPr lang="zh-CN" altLang="en-US" smtClean="0"/>
+              <a:rPr lang="zh-CN" altLang="en-US"/>
               <a:t>单击此处编辑母版标题样式</a:t>
             </a:r>
-            <a:endParaRPr lang="zh-CN" altLang="en-US"/>
           </a:p>
         </p:txBody>
       </p:sp>
@@ -696,38 +689,37 @@
           <a:p>
             <a:pPr lvl="0"/>
             <a:r>
-              <a:rPr lang="zh-CN" altLang="en-US" smtClean="0"/>
+              <a:rPr lang="zh-CN" altLang="en-US"/>
               <a:t>编辑母版文本样式</a:t>
             </a:r>
           </a:p>
           <a:p>
             <a:pPr lvl="1"/>
             <a:r>
-              <a:rPr lang="zh-CN" altLang="en-US" smtClean="0"/>
+              <a:rPr lang="zh-CN" altLang="en-US"/>
               <a:t>第二级</a:t>
             </a:r>
           </a:p>
           <a:p>
             <a:pPr lvl="2"/>
             <a:r>
-              <a:rPr lang="zh-CN" altLang="en-US" smtClean="0"/>
+              <a:rPr lang="zh-CN" altLang="en-US"/>
               <a:t>第三级</a:t>
             </a:r>
           </a:p>
           <a:p>
             <a:pPr lvl="3"/>
             <a:r>
-              <a:rPr lang="zh-CN" altLang="en-US" smtClean="0"/>
+              <a:rPr lang="zh-CN" altLang="en-US"/>
               <a:t>第四级</a:t>
             </a:r>
           </a:p>
           <a:p>
             <a:pPr lvl="4"/>
             <a:r>
-              <a:rPr lang="zh-CN" altLang="en-US" smtClean="0"/>
+              <a:rPr lang="zh-CN" altLang="en-US"/>
               <a:t>第五级</a:t>
             </a:r>
-            <a:endParaRPr lang="zh-CN" altLang="en-US"/>
           </a:p>
         </p:txBody>
       </p:sp>
@@ -748,7 +740,7 @@
           <a:p>
             <a:fld id="{0071251F-7F65-46D1-A23C-661CD5B49695}" type="datetimeFigureOut">
               <a:rPr lang="zh-CN" altLang="en-US" smtClean="0"/>
-              <a:t>2019/2/15</a:t>
+              <a:t>2019/7/4</a:t>
             </a:fld>
             <a:endParaRPr lang="zh-CN" altLang="en-US"/>
           </a:p>
@@ -846,10 +838,9 @@
           </a:lstStyle>
           <a:p>
             <a:r>
-              <a:rPr lang="zh-CN" altLang="en-US" smtClean="0"/>
+              <a:rPr lang="zh-CN" altLang="en-US"/>
               <a:t>单击此处编辑母版标题样式</a:t>
             </a:r>
-            <a:endParaRPr lang="zh-CN" altLang="en-US"/>
           </a:p>
         </p:txBody>
       </p:sp>
@@ -966,7 +957,7 @@
           <a:p>
             <a:pPr lvl="0"/>
             <a:r>
-              <a:rPr lang="zh-CN" altLang="en-US" smtClean="0"/>
+              <a:rPr lang="zh-CN" altLang="en-US"/>
               <a:t>编辑母版文本样式</a:t>
             </a:r>
           </a:p>
@@ -989,7 +980,7 @@
           <a:p>
             <a:fld id="{0071251F-7F65-46D1-A23C-661CD5B49695}" type="datetimeFigureOut">
               <a:rPr lang="zh-CN" altLang="en-US" smtClean="0"/>
-              <a:t>2019/2/15</a:t>
+              <a:t>2019/7/4</a:t>
             </a:fld>
             <a:endParaRPr lang="zh-CN" altLang="en-US"/>
           </a:p>
@@ -1078,10 +1069,9 @@
           <a:lstStyle/>
           <a:p>
             <a:r>
-              <a:rPr lang="zh-CN" altLang="en-US" smtClean="0"/>
+              <a:rPr lang="zh-CN" altLang="en-US"/>
               <a:t>单击此处编辑母版标题样式</a:t>
             </a:r>
-            <a:endParaRPr lang="zh-CN" altLang="en-US"/>
           </a:p>
         </p:txBody>
       </p:sp>
@@ -1107,38 +1097,37 @@
           <a:p>
             <a:pPr lvl="0"/>
             <a:r>
-              <a:rPr lang="zh-CN" altLang="en-US" smtClean="0"/>
+              <a:rPr lang="zh-CN" altLang="en-US"/>
               <a:t>编辑母版文本样式</a:t>
             </a:r>
           </a:p>
           <a:p>
             <a:pPr lvl="1"/>
             <a:r>
-              <a:rPr lang="zh-CN" altLang="en-US" smtClean="0"/>
+              <a:rPr lang="zh-CN" altLang="en-US"/>
               <a:t>第二级</a:t>
             </a:r>
           </a:p>
           <a:p>
             <a:pPr lvl="2"/>
             <a:r>
-              <a:rPr lang="zh-CN" altLang="en-US" smtClean="0"/>
+              <a:rPr lang="zh-CN" altLang="en-US"/>
               <a:t>第三级</a:t>
             </a:r>
           </a:p>
           <a:p>
             <a:pPr lvl="3"/>
             <a:r>
-              <a:rPr lang="zh-CN" altLang="en-US" smtClean="0"/>
+              <a:rPr lang="zh-CN" altLang="en-US"/>
               <a:t>第四级</a:t>
             </a:r>
           </a:p>
           <a:p>
             <a:pPr lvl="4"/>
             <a:r>
-              <a:rPr lang="zh-CN" altLang="en-US" smtClean="0"/>
+              <a:rPr lang="zh-CN" altLang="en-US"/>
               <a:t>第五级</a:t>
             </a:r>
-            <a:endParaRPr lang="zh-CN" altLang="en-US"/>
           </a:p>
         </p:txBody>
       </p:sp>
@@ -1164,38 +1153,37 @@
           <a:p>
             <a:pPr lvl="0"/>
             <a:r>
-              <a:rPr lang="zh-CN" altLang="en-US" smtClean="0"/>
+              <a:rPr lang="zh-CN" altLang="en-US"/>
               <a:t>编辑母版文本样式</a:t>
             </a:r>
           </a:p>
           <a:p>
             <a:pPr lvl="1"/>
             <a:r>
-              <a:rPr lang="zh-CN" altLang="en-US" smtClean="0"/>
+              <a:rPr lang="zh-CN" altLang="en-US"/>
               <a:t>第二级</a:t>
             </a:r>
           </a:p>
           <a:p>
             <a:pPr lvl="2"/>
             <a:r>
-              <a:rPr lang="zh-CN" altLang="en-US" smtClean="0"/>
+              <a:rPr lang="zh-CN" altLang="en-US"/>
               <a:t>第三级</a:t>
             </a:r>
           </a:p>
           <a:p>
             <a:pPr lvl="3"/>
             <a:r>
-              <a:rPr lang="zh-CN" altLang="en-US" smtClean="0"/>
+              <a:rPr lang="zh-CN" altLang="en-US"/>
               <a:t>第四级</a:t>
             </a:r>
           </a:p>
           <a:p>
             <a:pPr lvl="4"/>
             <a:r>
-              <a:rPr lang="zh-CN" altLang="en-US" smtClean="0"/>
+              <a:rPr lang="zh-CN" altLang="en-US"/>
               <a:t>第五级</a:t>
             </a:r>
-            <a:endParaRPr lang="zh-CN" altLang="en-US"/>
           </a:p>
         </p:txBody>
       </p:sp>
@@ -1216,7 +1204,7 @@
           <a:p>
             <a:fld id="{0071251F-7F65-46D1-A23C-661CD5B49695}" type="datetimeFigureOut">
               <a:rPr lang="zh-CN" altLang="en-US" smtClean="0"/>
-              <a:t>2019/2/15</a:t>
+              <a:t>2019/7/4</a:t>
             </a:fld>
             <a:endParaRPr lang="zh-CN" altLang="en-US"/>
           </a:p>
@@ -1310,10 +1298,9 @@
           <a:lstStyle/>
           <a:p>
             <a:r>
-              <a:rPr lang="zh-CN" altLang="en-US" smtClean="0"/>
+              <a:rPr lang="zh-CN" altLang="en-US"/>
               <a:t>单击此处编辑母版标题样式</a:t>
             </a:r>
-            <a:endParaRPr lang="zh-CN" altLang="en-US"/>
           </a:p>
         </p:txBody>
       </p:sp>
@@ -1376,7 +1363,7 @@
           <a:p>
             <a:pPr lvl="0"/>
             <a:r>
-              <a:rPr lang="zh-CN" altLang="en-US" smtClean="0"/>
+              <a:rPr lang="zh-CN" altLang="en-US"/>
               <a:t>编辑母版文本样式</a:t>
             </a:r>
           </a:p>
@@ -1404,38 +1391,37 @@
           <a:p>
             <a:pPr lvl="0"/>
             <a:r>
-              <a:rPr lang="zh-CN" altLang="en-US" smtClean="0"/>
+              <a:rPr lang="zh-CN" altLang="en-US"/>
               <a:t>编辑母版文本样式</a:t>
             </a:r>
           </a:p>
           <a:p>
             <a:pPr lvl="1"/>
             <a:r>
-              <a:rPr lang="zh-CN" altLang="en-US" smtClean="0"/>
+              <a:rPr lang="zh-CN" altLang="en-US"/>
               <a:t>第二级</a:t>
             </a:r>
           </a:p>
           <a:p>
             <a:pPr lvl="2"/>
             <a:r>
-              <a:rPr lang="zh-CN" altLang="en-US" smtClean="0"/>
+              <a:rPr lang="zh-CN" altLang="en-US"/>
               <a:t>第三级</a:t>
             </a:r>
           </a:p>
           <a:p>
             <a:pPr lvl="3"/>
             <a:r>
-              <a:rPr lang="zh-CN" altLang="en-US" smtClean="0"/>
+              <a:rPr lang="zh-CN" altLang="en-US"/>
               <a:t>第四级</a:t>
             </a:r>
           </a:p>
           <a:p>
             <a:pPr lvl="4"/>
             <a:r>
-              <a:rPr lang="zh-CN" altLang="en-US" smtClean="0"/>
+              <a:rPr lang="zh-CN" altLang="en-US"/>
               <a:t>第五级</a:t>
             </a:r>
-            <a:endParaRPr lang="zh-CN" altLang="en-US"/>
           </a:p>
         </p:txBody>
       </p:sp>
@@ -1498,7 +1484,7 @@
           <a:p>
             <a:pPr lvl="0"/>
             <a:r>
-              <a:rPr lang="zh-CN" altLang="en-US" smtClean="0"/>
+              <a:rPr lang="zh-CN" altLang="en-US"/>
               <a:t>编辑母版文本样式</a:t>
             </a:r>
           </a:p>
@@ -1526,38 +1512,37 @@
           <a:p>
             <a:pPr lvl="0"/>
             <a:r>
-              <a:rPr lang="zh-CN" altLang="en-US" smtClean="0"/>
+              <a:rPr lang="zh-CN" altLang="en-US"/>
               <a:t>编辑母版文本样式</a:t>
             </a:r>
           </a:p>
           <a:p>
             <a:pPr lvl="1"/>
             <a:r>
-              <a:rPr lang="zh-CN" altLang="en-US" smtClean="0"/>
+              <a:rPr lang="zh-CN" altLang="en-US"/>
               <a:t>第二级</a:t>
             </a:r>
           </a:p>
           <a:p>
             <a:pPr lvl="2"/>
             <a:r>
-              <a:rPr lang="zh-CN" altLang="en-US" smtClean="0"/>
+              <a:rPr lang="zh-CN" altLang="en-US"/>
               <a:t>第三级</a:t>
             </a:r>
           </a:p>
           <a:p>
             <a:pPr lvl="3"/>
             <a:r>
-              <a:rPr lang="zh-CN" altLang="en-US" smtClean="0"/>
+              <a:rPr lang="zh-CN" altLang="en-US"/>
               <a:t>第四级</a:t>
             </a:r>
           </a:p>
           <a:p>
             <a:pPr lvl="4"/>
             <a:r>
-              <a:rPr lang="zh-CN" altLang="en-US" smtClean="0"/>
+              <a:rPr lang="zh-CN" altLang="en-US"/>
               <a:t>第五级</a:t>
             </a:r>
-            <a:endParaRPr lang="zh-CN" altLang="en-US"/>
           </a:p>
         </p:txBody>
       </p:sp>
@@ -1578,7 +1563,7 @@
           <a:p>
             <a:fld id="{0071251F-7F65-46D1-A23C-661CD5B49695}" type="datetimeFigureOut">
               <a:rPr lang="zh-CN" altLang="en-US" smtClean="0"/>
-              <a:t>2019/2/15</a:t>
+              <a:t>2019/7/4</a:t>
             </a:fld>
             <a:endParaRPr lang="zh-CN" altLang="en-US"/>
           </a:p>
@@ -1667,10 +1652,9 @@
           <a:lstStyle/>
           <a:p>
             <a:r>
-              <a:rPr lang="zh-CN" altLang="en-US" smtClean="0"/>
+              <a:rPr lang="zh-CN" altLang="en-US"/>
               <a:t>单击此处编辑母版标题样式</a:t>
             </a:r>
-            <a:endParaRPr lang="zh-CN" altLang="en-US"/>
           </a:p>
         </p:txBody>
       </p:sp>
@@ -1691,7 +1675,7 @@
           <a:p>
             <a:fld id="{0071251F-7F65-46D1-A23C-661CD5B49695}" type="datetimeFigureOut">
               <a:rPr lang="zh-CN" altLang="en-US" smtClean="0"/>
-              <a:t>2019/2/15</a:t>
+              <a:t>2019/7/4</a:t>
             </a:fld>
             <a:endParaRPr lang="zh-CN" altLang="en-US"/>
           </a:p>
@@ -1781,7 +1765,7 @@
           <a:p>
             <a:fld id="{0071251F-7F65-46D1-A23C-661CD5B49695}" type="datetimeFigureOut">
               <a:rPr lang="zh-CN" altLang="en-US" smtClean="0"/>
-              <a:t>2019/2/15</a:t>
+              <a:t>2019/7/4</a:t>
             </a:fld>
             <a:endParaRPr lang="zh-CN" altLang="en-US"/>
           </a:p>
@@ -1879,10 +1863,9 @@
           </a:lstStyle>
           <a:p>
             <a:r>
-              <a:rPr lang="zh-CN" altLang="en-US" smtClean="0"/>
+              <a:rPr lang="zh-CN" altLang="en-US"/>
               <a:t>单击此处编辑母版标题样式</a:t>
             </a:r>
-            <a:endParaRPr lang="zh-CN" altLang="en-US"/>
           </a:p>
         </p:txBody>
       </p:sp>
@@ -1936,38 +1919,37 @@
           <a:p>
             <a:pPr lvl="0"/>
             <a:r>
-              <a:rPr lang="zh-CN" altLang="en-US" smtClean="0"/>
+              <a:rPr lang="zh-CN" altLang="en-US"/>
               <a:t>编辑母版文本样式</a:t>
             </a:r>
           </a:p>
           <a:p>
             <a:pPr lvl="1"/>
             <a:r>
-              <a:rPr lang="zh-CN" altLang="en-US" smtClean="0"/>
+              <a:rPr lang="zh-CN" altLang="en-US"/>
               <a:t>第二级</a:t>
             </a:r>
           </a:p>
           <a:p>
             <a:pPr lvl="2"/>
             <a:r>
-              <a:rPr lang="zh-CN" altLang="en-US" smtClean="0"/>
+              <a:rPr lang="zh-CN" altLang="en-US"/>
               <a:t>第三级</a:t>
             </a:r>
           </a:p>
           <a:p>
             <a:pPr lvl="3"/>
             <a:r>
-              <a:rPr lang="zh-CN" altLang="en-US" smtClean="0"/>
+              <a:rPr lang="zh-CN" altLang="en-US"/>
               <a:t>第四级</a:t>
             </a:r>
           </a:p>
           <a:p>
             <a:pPr lvl="4"/>
             <a:r>
-              <a:rPr lang="zh-CN" altLang="en-US" smtClean="0"/>
+              <a:rPr lang="zh-CN" altLang="en-US"/>
               <a:t>第五级</a:t>
             </a:r>
-            <a:endParaRPr lang="zh-CN" altLang="en-US"/>
           </a:p>
         </p:txBody>
       </p:sp>
@@ -2030,7 +2012,7 @@
           <a:p>
             <a:pPr lvl="0"/>
             <a:r>
-              <a:rPr lang="zh-CN" altLang="en-US" smtClean="0"/>
+              <a:rPr lang="zh-CN" altLang="en-US"/>
               <a:t>编辑母版文本样式</a:t>
             </a:r>
           </a:p>
@@ -2053,7 +2035,7 @@
           <a:p>
             <a:fld id="{0071251F-7F65-46D1-A23C-661CD5B49695}" type="datetimeFigureOut">
               <a:rPr lang="zh-CN" altLang="en-US" smtClean="0"/>
-              <a:t>2019/2/15</a:t>
+              <a:t>2019/7/4</a:t>
             </a:fld>
             <a:endParaRPr lang="zh-CN" altLang="en-US"/>
           </a:p>
@@ -2151,10 +2133,9 @@
           </a:lstStyle>
           <a:p>
             <a:r>
-              <a:rPr lang="zh-CN" altLang="en-US" smtClean="0"/>
+              <a:rPr lang="zh-CN" altLang="en-US"/>
               <a:t>单击此处编辑母版标题样式</a:t>
             </a:r>
-            <a:endParaRPr lang="zh-CN" altLang="en-US"/>
           </a:p>
         </p:txBody>
       </p:sp>
@@ -2278,7 +2259,7 @@
           <a:p>
             <a:pPr lvl="0"/>
             <a:r>
-              <a:rPr lang="zh-CN" altLang="en-US" smtClean="0"/>
+              <a:rPr lang="zh-CN" altLang="en-US"/>
               <a:t>编辑母版文本样式</a:t>
             </a:r>
           </a:p>
@@ -2301,7 +2282,7 @@
           <a:p>
             <a:fld id="{0071251F-7F65-46D1-A23C-661CD5B49695}" type="datetimeFigureOut">
               <a:rPr lang="zh-CN" altLang="en-US" smtClean="0"/>
-              <a:t>2019/2/15</a:t>
+              <a:t>2019/7/4</a:t>
             </a:fld>
             <a:endParaRPr lang="zh-CN" altLang="en-US"/>
           </a:p>
@@ -2405,10 +2386,9 @@
           <a:lstStyle/>
           <a:p>
             <a:r>
-              <a:rPr lang="zh-CN" altLang="en-US" smtClean="0"/>
+              <a:rPr lang="zh-CN" altLang="en-US"/>
               <a:t>单击此处编辑母版标题样式</a:t>
             </a:r>
-            <a:endParaRPr lang="zh-CN" altLang="en-US"/>
           </a:p>
         </p:txBody>
       </p:sp>
@@ -2439,38 +2419,37 @@
           <a:p>
             <a:pPr lvl="0"/>
             <a:r>
-              <a:rPr lang="zh-CN" altLang="en-US" smtClean="0"/>
+              <a:rPr lang="zh-CN" altLang="en-US"/>
               <a:t>编辑母版文本样式</a:t>
             </a:r>
           </a:p>
           <a:p>
             <a:pPr lvl="1"/>
             <a:r>
-              <a:rPr lang="zh-CN" altLang="en-US" smtClean="0"/>
+              <a:rPr lang="zh-CN" altLang="en-US"/>
               <a:t>第二级</a:t>
             </a:r>
           </a:p>
           <a:p>
             <a:pPr lvl="2"/>
             <a:r>
-              <a:rPr lang="zh-CN" altLang="en-US" smtClean="0"/>
+              <a:rPr lang="zh-CN" altLang="en-US"/>
               <a:t>第三级</a:t>
             </a:r>
           </a:p>
           <a:p>
             <a:pPr lvl="3"/>
             <a:r>
-              <a:rPr lang="zh-CN" altLang="en-US" smtClean="0"/>
+              <a:rPr lang="zh-CN" altLang="en-US"/>
               <a:t>第四级</a:t>
             </a:r>
           </a:p>
           <a:p>
             <a:pPr lvl="4"/>
             <a:r>
-              <a:rPr lang="zh-CN" altLang="en-US" smtClean="0"/>
+              <a:rPr lang="zh-CN" altLang="en-US"/>
               <a:t>第五级</a:t>
             </a:r>
-            <a:endParaRPr lang="zh-CN" altLang="en-US"/>
           </a:p>
         </p:txBody>
       </p:sp>
@@ -2509,7 +2488,7 @@
           <a:p>
             <a:fld id="{0071251F-7F65-46D1-A23C-661CD5B49695}" type="datetimeFigureOut">
               <a:rPr lang="zh-CN" altLang="en-US" smtClean="0"/>
-              <a:t>2019/2/15</a:t>
+              <a:t>2019/7/4</a:t>
             </a:fld>
             <a:endParaRPr lang="zh-CN" altLang="en-US"/>
           </a:p>
@@ -3008,24 +2987,14 @@
           <a:lstStyle/>
           <a:p>
             <a:r>
-              <a:rPr lang="en-US" altLang="zh-CN" sz="2800" dirty="0" smtClean="0">
+              <a:rPr lang="en-US" altLang="zh-CN" sz="2800" dirty="0">
                 <a:solidFill>
                   <a:schemeClr val="bg1"/>
                 </a:solidFill>
                 <a:latin typeface="微软雅黑" panose="020B0503020204020204" pitchFamily="34" charset="-122"/>
                 <a:ea typeface="微软雅黑" panose="020B0503020204020204" pitchFamily="34" charset="-122"/>
               </a:rPr>
-              <a:t>Feb</a:t>
-            </a:r>
-            <a:r>
-              <a:rPr lang="en-US" altLang="zh-CN" sz="2800" dirty="0" smtClean="0">
-                <a:solidFill>
-                  <a:schemeClr val="bg1"/>
-                </a:solidFill>
-                <a:latin typeface="微软雅黑" panose="020B0503020204020204" pitchFamily="34" charset="-122"/>
-                <a:ea typeface="微软雅黑" panose="020B0503020204020204" pitchFamily="34" charset="-122"/>
-              </a:rPr>
-              <a:t>. 2019</a:t>
+              <a:t>Jul. 2019</a:t>
             </a:r>
             <a:endParaRPr lang="zh-CN" altLang="en-US" sz="2800" dirty="0">
               <a:solidFill>
@@ -3060,32 +3029,15 @@
           <a:lstStyle/>
           <a:p>
             <a:r>
-              <a:rPr lang="en-US" altLang="zh-CN" sz="7200" dirty="0" smtClean="0">
+              <a:rPr lang="en-US" altLang="zh-CN" sz="7200" dirty="0">
                 <a:solidFill>
                   <a:schemeClr val="bg1"/>
                 </a:solidFill>
                 <a:latin typeface="微软雅黑" panose="020B0503020204020204" pitchFamily="34" charset="-122"/>
                 <a:ea typeface="微软雅黑" panose="020B0503020204020204" pitchFamily="34" charset="-122"/>
               </a:rPr>
-              <a:t> </a:t>
-            </a:r>
-            <a:r>
-              <a:rPr lang="en-US" altLang="zh-CN" sz="7200" dirty="0" smtClean="0">
-                <a:solidFill>
-                  <a:schemeClr val="bg1"/>
-                </a:solidFill>
-                <a:latin typeface="微软雅黑" panose="020B0503020204020204" pitchFamily="34" charset="-122"/>
-                <a:ea typeface="微软雅黑" panose="020B0503020204020204" pitchFamily="34" charset="-122"/>
-              </a:rPr>
-              <a:t>7</a:t>
-            </a:r>
-            <a:endParaRPr lang="en-US" altLang="zh-CN" sz="7200" dirty="0">
-              <a:solidFill>
-                <a:schemeClr val="bg1"/>
-              </a:solidFill>
-              <a:latin typeface="微软雅黑" panose="020B0503020204020204" pitchFamily="34" charset="-122"/>
-              <a:ea typeface="微软雅黑" panose="020B0503020204020204" pitchFamily="34" charset="-122"/>
-            </a:endParaRPr>
+              <a:t> 4</a:t>
+            </a:r>
           </a:p>
         </p:txBody>
       </p:sp>
@@ -3216,6 +3168,36 @@
           <a:xfrm>
             <a:off x="5940351" y="3894969"/>
             <a:ext cx="1419225" cy="1343025"/>
+          </a:xfrm>
+          <a:prstGeom prst="rect">
+            <a:avLst/>
+          </a:prstGeom>
+        </p:spPr>
+      </p:pic>
+      <p:pic>
+        <p:nvPicPr>
+          <p:cNvPr id="9" name="Picture 8">
+            <a:extLst>
+              <a:ext uri="{FF2B5EF4-FFF2-40B4-BE49-F238E27FC236}">
+                <a16:creationId xmlns:a16="http://schemas.microsoft.com/office/drawing/2014/main" id="{874B9748-887B-4C89-B544-478A151393BB}"/>
+              </a:ext>
+            </a:extLst>
+          </p:cNvPr>
+          <p:cNvPicPr>
+            <a:picLocks noChangeAspect="1"/>
+          </p:cNvPicPr>
+          <p:nvPr/>
+        </p:nvPicPr>
+        <p:blipFill>
+          <a:blip r:embed="rId8"/>
+          <a:stretch>
+            <a:fillRect/>
+          </a:stretch>
+        </p:blipFill>
+        <p:spPr>
+          <a:xfrm>
+            <a:off x="8161914" y="674505"/>
+            <a:ext cx="1447800" cy="1431832"/>
           </a:xfrm>
           <a:prstGeom prst="rect">
             <a:avLst/>

--- a/images/home/Recent news/ppt.pptx
+++ b/images/home/Recent news/ppt.pptx
@@ -241,7 +241,7 @@
           <a:p>
             <a:fld id="{0071251F-7F65-46D1-A23C-661CD5B49695}" type="datetimeFigureOut">
               <a:rPr lang="zh-CN" altLang="en-US" smtClean="0"/>
-              <a:t>2019/7/4</a:t>
+              <a:t>2019/7/6</a:t>
             </a:fld>
             <a:endParaRPr lang="zh-CN" altLang="en-US"/>
           </a:p>
@@ -404,7 +404,7 @@
           <a:p>
             <a:fld id="{0071251F-7F65-46D1-A23C-661CD5B49695}" type="datetimeFigureOut">
               <a:rPr lang="zh-CN" altLang="en-US" smtClean="0"/>
-              <a:t>2019/7/4</a:t>
+              <a:t>2019/7/6</a:t>
             </a:fld>
             <a:endParaRPr lang="zh-CN" altLang="en-US"/>
           </a:p>
@@ -577,7 +577,7 @@
           <a:p>
             <a:fld id="{0071251F-7F65-46D1-A23C-661CD5B49695}" type="datetimeFigureOut">
               <a:rPr lang="zh-CN" altLang="en-US" smtClean="0"/>
-              <a:t>2019/7/4</a:t>
+              <a:t>2019/7/6</a:t>
             </a:fld>
             <a:endParaRPr lang="zh-CN" altLang="en-US"/>
           </a:p>
@@ -740,7 +740,7 @@
           <a:p>
             <a:fld id="{0071251F-7F65-46D1-A23C-661CD5B49695}" type="datetimeFigureOut">
               <a:rPr lang="zh-CN" altLang="en-US" smtClean="0"/>
-              <a:t>2019/7/4</a:t>
+              <a:t>2019/7/6</a:t>
             </a:fld>
             <a:endParaRPr lang="zh-CN" altLang="en-US"/>
           </a:p>
@@ -980,7 +980,7 @@
           <a:p>
             <a:fld id="{0071251F-7F65-46D1-A23C-661CD5B49695}" type="datetimeFigureOut">
               <a:rPr lang="zh-CN" altLang="en-US" smtClean="0"/>
-              <a:t>2019/7/4</a:t>
+              <a:t>2019/7/6</a:t>
             </a:fld>
             <a:endParaRPr lang="zh-CN" altLang="en-US"/>
           </a:p>
@@ -1204,7 +1204,7 @@
           <a:p>
             <a:fld id="{0071251F-7F65-46D1-A23C-661CD5B49695}" type="datetimeFigureOut">
               <a:rPr lang="zh-CN" altLang="en-US" smtClean="0"/>
-              <a:t>2019/7/4</a:t>
+              <a:t>2019/7/6</a:t>
             </a:fld>
             <a:endParaRPr lang="zh-CN" altLang="en-US"/>
           </a:p>
@@ -1563,7 +1563,7 @@
           <a:p>
             <a:fld id="{0071251F-7F65-46D1-A23C-661CD5B49695}" type="datetimeFigureOut">
               <a:rPr lang="zh-CN" altLang="en-US" smtClean="0"/>
-              <a:t>2019/7/4</a:t>
+              <a:t>2019/7/6</a:t>
             </a:fld>
             <a:endParaRPr lang="zh-CN" altLang="en-US"/>
           </a:p>
@@ -1675,7 +1675,7 @@
           <a:p>
             <a:fld id="{0071251F-7F65-46D1-A23C-661CD5B49695}" type="datetimeFigureOut">
               <a:rPr lang="zh-CN" altLang="en-US" smtClean="0"/>
-              <a:t>2019/7/4</a:t>
+              <a:t>2019/7/6</a:t>
             </a:fld>
             <a:endParaRPr lang="zh-CN" altLang="en-US"/>
           </a:p>
@@ -1765,7 +1765,7 @@
           <a:p>
             <a:fld id="{0071251F-7F65-46D1-A23C-661CD5B49695}" type="datetimeFigureOut">
               <a:rPr lang="zh-CN" altLang="en-US" smtClean="0"/>
-              <a:t>2019/7/4</a:t>
+              <a:t>2019/7/6</a:t>
             </a:fld>
             <a:endParaRPr lang="zh-CN" altLang="en-US"/>
           </a:p>
@@ -2035,7 +2035,7 @@
           <a:p>
             <a:fld id="{0071251F-7F65-46D1-A23C-661CD5B49695}" type="datetimeFigureOut">
               <a:rPr lang="zh-CN" altLang="en-US" smtClean="0"/>
-              <a:t>2019/7/4</a:t>
+              <a:t>2019/7/6</a:t>
             </a:fld>
             <a:endParaRPr lang="zh-CN" altLang="en-US"/>
           </a:p>
@@ -2282,7 +2282,7 @@
           <a:p>
             <a:fld id="{0071251F-7F65-46D1-A23C-661CD5B49695}" type="datetimeFigureOut">
               <a:rPr lang="zh-CN" altLang="en-US" smtClean="0"/>
-              <a:t>2019/7/4</a:t>
+              <a:t>2019/7/6</a:t>
             </a:fld>
             <a:endParaRPr lang="zh-CN" altLang="en-US"/>
           </a:p>
@@ -2488,7 +2488,7 @@
           <a:p>
             <a:fld id="{0071251F-7F65-46D1-A23C-661CD5B49695}" type="datetimeFigureOut">
               <a:rPr lang="zh-CN" altLang="en-US" smtClean="0"/>
-              <a:t>2019/7/4</a:t>
+              <a:t>2019/7/6</a:t>
             </a:fld>
             <a:endParaRPr lang="zh-CN" altLang="en-US"/>
           </a:p>
@@ -2994,7 +2994,7 @@
                 <a:latin typeface="微软雅黑" panose="020B0503020204020204" pitchFamily="34" charset="-122"/>
                 <a:ea typeface="微软雅黑" panose="020B0503020204020204" pitchFamily="34" charset="-122"/>
               </a:rPr>
-              <a:t>Jul. 2019</a:t>
+              <a:t>May. 2019</a:t>
             </a:r>
             <a:endParaRPr lang="zh-CN" altLang="en-US" sz="2800" dirty="0">
               <a:solidFill>
@@ -3014,7 +3014,7 @@
         </p:nvSpPr>
         <p:spPr>
           <a:xfrm>
-            <a:off x="4791303" y="2133391"/>
+            <a:off x="4611194" y="2189002"/>
             <a:ext cx="2144111" cy="1198880"/>
           </a:xfrm>
           <a:prstGeom prst="rect">
@@ -3036,7 +3036,7 @@
                 <a:latin typeface="微软雅黑" panose="020B0503020204020204" pitchFamily="34" charset="-122"/>
                 <a:ea typeface="微软雅黑" panose="020B0503020204020204" pitchFamily="34" charset="-122"/>
               </a:rPr>
-              <a:t> 4</a:t>
+              <a:t> 22</a:t>
             </a:r>
           </a:p>
         </p:txBody>
